--- a/Axe_sharpening.pptx
+++ b/Axe_sharpening.pptx
@@ -268,7 +268,7 @@
           <a:lstStyle/>
           <a:p>
             <a:fld id="{5F491023-0B0A-7041-9F06-D25A50EF063B}" type="datetimeFigureOut">
-              <a:t>7/15/23</a:t>
+              <a:t>11/25/25</a:t>
             </a:fld>
             <a:endParaRPr lang="en-US"/>
           </a:p>
@@ -464,7 +464,7 @@
           <a:lstStyle/>
           <a:p>
             <a:fld id="{5F491023-0B0A-7041-9F06-D25A50EF063B}" type="datetimeFigureOut">
-              <a:t>7/15/23</a:t>
+              <a:t>11/25/25</a:t>
             </a:fld>
             <a:endParaRPr lang="en-US"/>
           </a:p>
@@ -670,7 +670,7 @@
           <a:lstStyle/>
           <a:p>
             <a:fld id="{5F491023-0B0A-7041-9F06-D25A50EF063B}" type="datetimeFigureOut">
-              <a:t>7/15/23</a:t>
+              <a:t>11/25/25</a:t>
             </a:fld>
             <a:endParaRPr lang="en-US"/>
           </a:p>
@@ -866,7 +866,7 @@
           <a:lstStyle/>
           <a:p>
             <a:fld id="{5F491023-0B0A-7041-9F06-D25A50EF063B}" type="datetimeFigureOut">
-              <a:t>7/15/23</a:t>
+              <a:t>11/25/25</a:t>
             </a:fld>
             <a:endParaRPr lang="en-US"/>
           </a:p>
@@ -1139,7 +1139,7 @@
           <a:lstStyle/>
           <a:p>
             <a:fld id="{5F491023-0B0A-7041-9F06-D25A50EF063B}" type="datetimeFigureOut">
-              <a:t>7/15/23</a:t>
+              <a:t>11/25/25</a:t>
             </a:fld>
             <a:endParaRPr lang="en-US"/>
           </a:p>
@@ -1402,7 +1402,7 @@
           <a:lstStyle/>
           <a:p>
             <a:fld id="{5F491023-0B0A-7041-9F06-D25A50EF063B}" type="datetimeFigureOut">
-              <a:t>7/15/23</a:t>
+              <a:t>11/25/25</a:t>
             </a:fld>
             <a:endParaRPr lang="en-US"/>
           </a:p>
@@ -1812,7 +1812,7 @@
           <a:lstStyle/>
           <a:p>
             <a:fld id="{5F491023-0B0A-7041-9F06-D25A50EF063B}" type="datetimeFigureOut">
-              <a:t>7/15/23</a:t>
+              <a:t>11/25/25</a:t>
             </a:fld>
             <a:endParaRPr lang="en-US"/>
           </a:p>
@@ -1951,7 +1951,7 @@
           <a:lstStyle/>
           <a:p>
             <a:fld id="{5F491023-0B0A-7041-9F06-D25A50EF063B}" type="datetimeFigureOut">
-              <a:t>7/15/23</a:t>
+              <a:t>11/25/25</a:t>
             </a:fld>
             <a:endParaRPr lang="en-US"/>
           </a:p>
@@ -2062,7 +2062,7 @@
           <a:lstStyle/>
           <a:p>
             <a:fld id="{5F491023-0B0A-7041-9F06-D25A50EF063B}" type="datetimeFigureOut">
-              <a:t>7/15/23</a:t>
+              <a:t>11/25/25</a:t>
             </a:fld>
             <a:endParaRPr lang="en-US"/>
           </a:p>
@@ -2371,7 +2371,7 @@
           <a:lstStyle/>
           <a:p>
             <a:fld id="{5F491023-0B0A-7041-9F06-D25A50EF063B}" type="datetimeFigureOut">
-              <a:t>7/15/23</a:t>
+              <a:t>11/25/25</a:t>
             </a:fld>
             <a:endParaRPr lang="en-US"/>
           </a:p>
@@ -2657,7 +2657,7 @@
           <a:lstStyle/>
           <a:p>
             <a:fld id="{5F491023-0B0A-7041-9F06-D25A50EF063B}" type="datetimeFigureOut">
-              <a:t>7/15/23</a:t>
+              <a:t>11/25/25</a:t>
             </a:fld>
             <a:endParaRPr lang="en-US"/>
           </a:p>
@@ -2896,7 +2896,7 @@
           </a:lstStyle>
           <a:p>
             <a:fld id="{5F491023-0B0A-7041-9F06-D25A50EF063B}" type="datetimeFigureOut">
-              <a:t>7/15/23</a:t>
+              <a:t>11/25/25</a:t>
             </a:fld>
             <a:endParaRPr lang="en-US"/>
           </a:p>
@@ -4622,7 +4622,7 @@
         </p:nvSpPr>
         <p:spPr>
           <a:xfrm>
-            <a:off x="619419" y="1272911"/>
+            <a:off x="196085" y="587803"/>
             <a:ext cx="3733800" cy="1569660"/>
           </a:xfrm>
           <a:prstGeom prst="rect">
@@ -4739,6 +4739,11 @@
             <a:avLst/>
           </a:prstGeom>
           <a:noFill/>
+          <a:ln>
+            <a:solidFill>
+              <a:srgbClr val="FF0000"/>
+            </a:solidFill>
+          </a:ln>
           <a:extLst>
             <a:ext uri="{909E8E84-426E-40DD-AFC4-6F175D3DCCD1}">
               <a14:hiddenFill xmlns:a14="http://schemas.microsoft.com/office/drawing/2010/main">
@@ -4786,6 +4791,11 @@
             <a:avLst/>
           </a:prstGeom>
           <a:noFill/>
+          <a:ln>
+            <a:solidFill>
+              <a:srgbClr val="FF0000"/>
+            </a:solidFill>
+          </a:ln>
           <a:extLst>
             <a:ext uri="{909E8E84-426E-40DD-AFC4-6F175D3DCCD1}">
               <a14:hiddenFill xmlns:a14="http://schemas.microsoft.com/office/drawing/2010/main">
@@ -4833,6 +4843,11 @@
             <a:avLst/>
           </a:prstGeom>
           <a:noFill/>
+          <a:ln>
+            <a:solidFill>
+              <a:srgbClr val="FF0000"/>
+            </a:solidFill>
+          </a:ln>
           <a:extLst>
             <a:ext uri="{909E8E84-426E-40DD-AFC4-6F175D3DCCD1}">
               <a14:hiddenFill xmlns:a14="http://schemas.microsoft.com/office/drawing/2010/main">
@@ -4878,6 +4893,11 @@
           <a:prstGeom prst="rect">
             <a:avLst/>
           </a:prstGeom>
+          <a:ln>
+            <a:solidFill>
+              <a:srgbClr val="FF0000"/>
+            </a:solidFill>
+          </a:ln>
         </p:spPr>
       </p:pic>
       <p:pic>
@@ -4914,8 +4934,153 @@
           <a:prstGeom prst="rect">
             <a:avLst/>
           </a:prstGeom>
+          <a:ln>
+            <a:solidFill>
+              <a:srgbClr val="FF0000"/>
+            </a:solidFill>
+          </a:ln>
         </p:spPr>
       </p:pic>
+      <p:pic>
+        <p:nvPicPr>
+          <p:cNvPr id="5" name="Picture 4">
+            <a:extLst>
+              <a:ext uri="{FF2B5EF4-FFF2-40B4-BE49-F238E27FC236}">
+                <a16:creationId xmlns:a16="http://schemas.microsoft.com/office/drawing/2014/main" id="{8EB45BC4-50C4-99F6-DFDD-3B4975AD4438}"/>
+              </a:ext>
+            </a:extLst>
+          </p:cNvPr>
+          <p:cNvPicPr>
+            <a:picLocks noChangeAspect="1"/>
+          </p:cNvPicPr>
+          <p:nvPr/>
+        </p:nvPicPr>
+        <p:blipFill>
+          <a:blip r:embed="rId7" cstate="email">
+            <a:extLst>
+              <a:ext uri="{28A0092B-C50C-407E-A947-70E740481C1C}">
+                <a14:useLocalDpi xmlns:a14="http://schemas.microsoft.com/office/drawing/2010/main"/>
+              </a:ext>
+            </a:extLst>
+          </a:blip>
+          <a:stretch>
+            <a:fillRect/>
+          </a:stretch>
+        </p:blipFill>
+        <p:spPr>
+          <a:xfrm>
+            <a:off x="196085" y="2165930"/>
+            <a:ext cx="3190582" cy="2497721"/>
+          </a:xfrm>
+          <a:prstGeom prst="rect">
+            <a:avLst/>
+          </a:prstGeom>
+          <a:ln>
+            <a:solidFill>
+              <a:srgbClr val="FF0000"/>
+            </a:solidFill>
+          </a:ln>
+        </p:spPr>
+      </p:pic>
+      <p:sp>
+        <p:nvSpPr>
+          <p:cNvPr id="8" name="TextBox 7">
+            <a:extLst>
+              <a:ext uri="{FF2B5EF4-FFF2-40B4-BE49-F238E27FC236}">
+                <a16:creationId xmlns:a16="http://schemas.microsoft.com/office/drawing/2014/main" id="{4E8535A3-E848-C0EF-4F54-764EEE9FF679}"/>
+              </a:ext>
+            </a:extLst>
+          </p:cNvPr>
+          <p:cNvSpPr txBox="1"/>
+          <p:nvPr/>
+        </p:nvSpPr>
+        <p:spPr>
+          <a:xfrm>
+            <a:off x="196085" y="4708455"/>
+            <a:ext cx="3613915" cy="1815882"/>
+          </a:xfrm>
+          <a:prstGeom prst="rect">
+            <a:avLst/>
+          </a:prstGeom>
+          <a:solidFill>
+            <a:schemeClr val="accent4">
+              <a:lumMod val="20000"/>
+              <a:lumOff val="80000"/>
+            </a:schemeClr>
+          </a:solidFill>
+          <a:ln>
+            <a:solidFill>
+              <a:srgbClr val="FF0000"/>
+            </a:solidFill>
+          </a:ln>
+        </p:spPr>
+        <p:txBody>
+          <a:bodyPr wrap="square" rtlCol="0">
+            <a:spAutoFit/>
+          </a:bodyPr>
+          <a:lstStyle/>
+          <a:p>
+            <a:pPr marL="285750" indent="-285750">
+              <a:buFont typeface="Arial" panose="020B0604020202020204" pitchFamily="34" charset="0"/>
+              <a:buChar char="•"/>
+            </a:pPr>
+            <a:r>
+              <a:rPr lang="en-US" sz="1600" dirty="0"/>
+              <a:t>The Chef’s Choice 1520 </a:t>
+            </a:r>
+          </a:p>
+          <a:p>
+            <a:pPr marL="285750" indent="-285750">
+              <a:buFont typeface="Arial" panose="020B0604020202020204" pitchFamily="34" charset="0"/>
+              <a:buChar char="•"/>
+            </a:pPr>
+            <a:r>
+              <a:rPr lang="en-US" sz="1600" dirty="0"/>
+              <a:t>Professional Electric Knife Sharpener </a:t>
+            </a:r>
+          </a:p>
+          <a:p>
+            <a:pPr marL="285750" indent="-285750">
+              <a:buFont typeface="Arial" panose="020B0604020202020204" pitchFamily="34" charset="0"/>
+              <a:buChar char="•"/>
+            </a:pPr>
+            <a:r>
+              <a:rPr lang="en-US" sz="1600" dirty="0"/>
+              <a:t>Angle Select for 15- and 20-Degree Straight-Edge and Serrated Knives</a:t>
+            </a:r>
+          </a:p>
+          <a:p>
+            <a:pPr marL="285750" indent="-285750">
+              <a:buFont typeface="Arial" panose="020B0604020202020204" pitchFamily="34" charset="0"/>
+              <a:buChar char="•"/>
+            </a:pPr>
+            <a:r>
+              <a:rPr lang="en-US" sz="1600" dirty="0"/>
+              <a:t>Diamond Abrasives</a:t>
+            </a:r>
+          </a:p>
+          <a:p>
+            <a:pPr marL="285750" indent="-285750">
+              <a:buFont typeface="Arial" panose="020B0604020202020204" pitchFamily="34" charset="0"/>
+              <a:buChar char="•"/>
+            </a:pPr>
+            <a:r>
+              <a:rPr lang="en-US" sz="1600" dirty="0"/>
+              <a:t>Precision Angle Control,</a:t>
+            </a:r>
+          </a:p>
+          <a:p>
+            <a:pPr marL="285750" indent="-285750">
+              <a:buFont typeface="Arial" panose="020B0604020202020204" pitchFamily="34" charset="0"/>
+              <a:buChar char="•"/>
+            </a:pPr>
+            <a:r>
+              <a:rPr lang="en-US" sz="1600" dirty="0"/>
+              <a:t>2-Stage</a:t>
+            </a:r>
+          </a:p>
+        </p:txBody>
+      </p:sp>
     </p:spTree>
     <p:extLst>
       <p:ext uri="{BB962C8B-B14F-4D97-AF65-F5344CB8AC3E}">
